--- a/Unidad 2/2.2 PRACTICA DE RECURCIVIDAD_CYNTHIA JASMINE MORALES TORRES.pptx
+++ b/Unidad 2/2.2 PRACTICA DE RECURCIVIDAD_CYNTHIA JASMINE MORALES TORRES.pptx
@@ -110,6 +110,11 @@
       </a:defRPr>
     </a:lvl9pPr>
   </p:defaultTextStyle>
+  <p:extLst>
+    <p:ext uri="{EFAFB233-063F-42B5-8137-9DF3F51BA10A}">
+      <p15:sldGuideLst xmlns:p15="http://schemas.microsoft.com/office/powerpoint/2012/main"/>
+    </p:ext>
+  </p:extLst>
 </p:presentation>
 </file>
 
@@ -337,7 +342,7 @@
           <a:p>
             <a:fld id="{7E60E8F0-E53A-4538-9703-51547DDCF772}" type="datetimeFigureOut">
               <a:rPr lang="es-MX" smtClean="0"/>
-              <a:t>24/11/2025</a:t>
+              <a:t>25/11/2025</a:t>
             </a:fld>
             <a:endParaRPr lang="es-MX"/>
           </a:p>
@@ -661,7 +666,7 @@
           <a:p>
             <a:fld id="{7E60E8F0-E53A-4538-9703-51547DDCF772}" type="datetimeFigureOut">
               <a:rPr lang="es-MX" smtClean="0"/>
-              <a:t>24/11/2025</a:t>
+              <a:t>25/11/2025</a:t>
             </a:fld>
             <a:endParaRPr lang="es-MX"/>
           </a:p>
@@ -909,7 +914,7 @@
           <a:p>
             <a:fld id="{7E60E8F0-E53A-4538-9703-51547DDCF772}" type="datetimeFigureOut">
               <a:rPr lang="es-MX" smtClean="0"/>
-              <a:t>24/11/2025</a:t>
+              <a:t>25/11/2025</a:t>
             </a:fld>
             <a:endParaRPr lang="es-MX"/>
           </a:p>
@@ -1248,7 +1253,7 @@
           <a:p>
             <a:fld id="{7E60E8F0-E53A-4538-9703-51547DDCF772}" type="datetimeFigureOut">
               <a:rPr lang="es-MX" smtClean="0"/>
-              <a:t>24/11/2025</a:t>
+              <a:t>25/11/2025</a:t>
             </a:fld>
             <a:endParaRPr lang="es-MX"/>
           </a:p>
@@ -1595,7 +1600,7 @@
           <a:p>
             <a:fld id="{7E60E8F0-E53A-4538-9703-51547DDCF772}" type="datetimeFigureOut">
               <a:rPr lang="es-MX" smtClean="0"/>
-              <a:t>24/11/2025</a:t>
+              <a:t>25/11/2025</a:t>
             </a:fld>
             <a:endParaRPr lang="es-MX"/>
           </a:p>
@@ -1969,7 +1974,7 @@
           <a:p>
             <a:fld id="{7E60E8F0-E53A-4538-9703-51547DDCF772}" type="datetimeFigureOut">
               <a:rPr lang="es-MX" smtClean="0"/>
-              <a:t>24/11/2025</a:t>
+              <a:t>25/11/2025</a:t>
             </a:fld>
             <a:endParaRPr lang="es-MX"/>
           </a:p>
@@ -2439,7 +2444,7 @@
           <a:p>
             <a:fld id="{7E60E8F0-E53A-4538-9703-51547DDCF772}" type="datetimeFigureOut">
               <a:rPr lang="es-MX" smtClean="0"/>
-              <a:t>24/11/2025</a:t>
+              <a:t>25/11/2025</a:t>
             </a:fld>
             <a:endParaRPr lang="es-MX"/>
           </a:p>
@@ -2644,7 +2649,7 @@
           <a:p>
             <a:fld id="{7E60E8F0-E53A-4538-9703-51547DDCF772}" type="datetimeFigureOut">
               <a:rPr lang="es-MX" smtClean="0"/>
-              <a:t>24/11/2025</a:t>
+              <a:t>25/11/2025</a:t>
             </a:fld>
             <a:endParaRPr lang="es-MX"/>
           </a:p>
@@ -2855,7 +2860,7 @@
           <a:p>
             <a:fld id="{7E60E8F0-E53A-4538-9703-51547DDCF772}" type="datetimeFigureOut">
               <a:rPr lang="es-MX" smtClean="0"/>
-              <a:t>24/11/2025</a:t>
+              <a:t>25/11/2025</a:t>
             </a:fld>
             <a:endParaRPr lang="es-MX"/>
           </a:p>
@@ -3086,7 +3091,7 @@
           <a:p>
             <a:fld id="{7E60E8F0-E53A-4538-9703-51547DDCF772}" type="datetimeFigureOut">
               <a:rPr lang="es-MX" smtClean="0"/>
-              <a:t>24/11/2025</a:t>
+              <a:t>25/11/2025</a:t>
             </a:fld>
             <a:endParaRPr lang="es-MX"/>
           </a:p>
@@ -3334,7 +3339,7 @@
           <a:p>
             <a:fld id="{7E60E8F0-E53A-4538-9703-51547DDCF772}" type="datetimeFigureOut">
               <a:rPr lang="es-MX" smtClean="0"/>
-              <a:t>24/11/2025</a:t>
+              <a:t>25/11/2025</a:t>
             </a:fld>
             <a:endParaRPr lang="es-MX"/>
           </a:p>
@@ -3632,7 +3637,7 @@
           <a:p>
             <a:fld id="{7E60E8F0-E53A-4538-9703-51547DDCF772}" type="datetimeFigureOut">
               <a:rPr lang="es-MX" smtClean="0"/>
-              <a:t>24/11/2025</a:t>
+              <a:t>25/11/2025</a:t>
             </a:fld>
             <a:endParaRPr lang="es-MX"/>
           </a:p>
@@ -4014,7 +4019,7 @@
           <a:p>
             <a:fld id="{7E60E8F0-E53A-4538-9703-51547DDCF772}" type="datetimeFigureOut">
               <a:rPr lang="es-MX" smtClean="0"/>
-              <a:t>24/11/2025</a:t>
+              <a:t>25/11/2025</a:t>
             </a:fld>
             <a:endParaRPr lang="es-MX"/>
           </a:p>
@@ -4163,7 +4168,7 @@
           <a:p>
             <a:fld id="{7E60E8F0-E53A-4538-9703-51547DDCF772}" type="datetimeFigureOut">
               <a:rPr lang="es-MX" smtClean="0"/>
-              <a:t>24/11/2025</a:t>
+              <a:t>25/11/2025</a:t>
             </a:fld>
             <a:endParaRPr lang="es-MX"/>
           </a:p>
@@ -4289,7 +4294,7 @@
           <a:p>
             <a:fld id="{7E60E8F0-E53A-4538-9703-51547DDCF772}" type="datetimeFigureOut">
               <a:rPr lang="es-MX" smtClean="0"/>
-              <a:t>24/11/2025</a:t>
+              <a:t>25/11/2025</a:t>
             </a:fld>
             <a:endParaRPr lang="es-MX"/>
           </a:p>
@@ -4544,7 +4549,7 @@
           <a:p>
             <a:fld id="{7E60E8F0-E53A-4538-9703-51547DDCF772}" type="datetimeFigureOut">
               <a:rPr lang="es-MX" smtClean="0"/>
-              <a:t>24/11/2025</a:t>
+              <a:t>25/11/2025</a:t>
             </a:fld>
             <a:endParaRPr lang="es-MX"/>
           </a:p>
@@ -4859,7 +4864,7 @@
           <a:p>
             <a:fld id="{7E60E8F0-E53A-4538-9703-51547DDCF772}" type="datetimeFigureOut">
               <a:rPr lang="es-MX" smtClean="0"/>
-              <a:t>24/11/2025</a:t>
+              <a:t>25/11/2025</a:t>
             </a:fld>
             <a:endParaRPr lang="es-MX"/>
           </a:p>
@@ -5103,7 +5108,7 @@
           <a:p>
             <a:fld id="{7E60E8F0-E53A-4538-9703-51547DDCF772}" type="datetimeFigureOut">
               <a:rPr lang="es-MX" smtClean="0"/>
-              <a:t>24/11/2025</a:t>
+              <a:t>25/11/2025</a:t>
             </a:fld>
             <a:endParaRPr lang="es-MX"/>
           </a:p>
@@ -7832,7 +7837,10 @@
             <a:pPr marL="0" indent="0">
               <a:buNone/>
             </a:pPr>
-            <a:endParaRPr lang="es-MX" dirty="0"/>
+            <a:r>
+              <a:rPr lang="es-MX" dirty="0"/>
+              <a:t>https://github.com/Cynthia21Morales/EstructuraDeDatos_CynthiaJasmineMT/tree/main/Unidad%202/Ejercicios</a:t>
+            </a:r>
           </a:p>
         </p:txBody>
       </p:sp>

--- a/Unidad 2/2.2 PRACTICA DE RECURCIVIDAD_CYNTHIA JASMINE MORALES TORRES.pptx
+++ b/Unidad 2/2.2 PRACTICA DE RECURCIVIDAD_CYNTHIA JASMINE MORALES TORRES.pptx
@@ -5914,7 +5914,7 @@
                 <a:effectLst/>
                 <a:latin typeface="Bahnschrift" panose="020B0502040204020203" pitchFamily="34" charset="0"/>
               </a:rPr>
-              <a:t>Frontera Comalapa, Chiapas. A 29 de noviembre de 2025</a:t>
+              <a:t>Frontera Comalapa, Chiapas. A 27 de Octubre de 2025</a:t>
             </a:r>
             <a:endParaRPr lang="es-MX" sz="1600" dirty="0">
               <a:effectLst/>
